--- a/working/lepow.pptx
+++ b/working/lepow.pptx
@@ -316,6 +316,11 @@
       </a:defRPr>
     </a:lvl9pPr>
   </p:defaultTextStyle>
+  <p:extLst>
+    <p:ext uri="{EFAFB233-063F-42B5-8137-9DF3F51BA10A}">
+      <p15:sldGuideLst xmlns:p15="http://schemas.microsoft.com/office/powerpoint/2012/main"/>
+    </p:ext>
+  </p:extLst>
 </p:presentation>
 </file>
 
@@ -711,6 +716,15 @@
           <a:p>
             <a:endParaRPr lang="en-US" dirty="0"/>
           </a:p>
+          <a:p>
+            <a:endParaRPr lang="en-US" dirty="0"/>
+          </a:p>
+          <a:p>
+            <a:r>
+              <a:rPr lang="en-US" dirty="0"/>
+              <a:t>// highlight parallel experiment if asked</a:t>
+            </a:r>
+          </a:p>
         </p:txBody>
       </p:sp>
     </p:spTree>
@@ -852,66 +866,6 @@
           <a:bodyPr/>
           <a:lstStyle/>
           <a:p>
-            <a:r>
-              <a:rPr lang="en-US" sz="2200" b="0" i="0" u="none" strike="noStrike" dirty="0">
-                <a:effectLst/>
-                <a:latin typeface="Helvetica Neue"/>
-                <a:ea typeface="Helvetica Neue"/>
-                <a:cs typeface="Helvetica Neue"/>
-                <a:sym typeface="Helvetica Neue"/>
-              </a:rPr>
-              <a:t>Our analysis demonstrated differential gene expression in poor responders to bevacizumab relative to good-responders along with upregulation of angiogenic genes. Within this gene set, multiple genes known to be regulated by the early growth response 1 (EGR1) transcription factor were identified; two were selected for further study based on their role in promoting cancer cell migration and proliferation, RAMP3 (accessory-receptor for adrenomedullin) and CHRNA7 (cholinergic-receptor-nicotinic-</a:t>
-            </a:r>
-            <a:r>
-              <a:rPr lang="el-GR" sz="2200" b="0" i="0" u="none" strike="noStrike" dirty="0">
-                <a:effectLst/>
-                <a:latin typeface="Helvetica Neue"/>
-                <a:ea typeface="Helvetica Neue"/>
-                <a:cs typeface="Helvetica Neue"/>
-                <a:sym typeface="Helvetica Neue"/>
-              </a:rPr>
-              <a:t>α7-</a:t>
-            </a:r>
-            <a:r>
-              <a:rPr lang="en-US" sz="2200" b="0" i="0" u="none" strike="noStrike" dirty="0">
-                <a:effectLst/>
-                <a:latin typeface="Helvetica Neue"/>
-                <a:ea typeface="Helvetica Neue"/>
-                <a:cs typeface="Helvetica Neue"/>
-                <a:sym typeface="Helvetica Neue"/>
-              </a:rPr>
-              <a:t>subunit, or </a:t>
-            </a:r>
-            <a:r>
-              <a:rPr lang="el-GR" sz="2200" b="0" i="0" u="none" strike="noStrike" dirty="0">
-                <a:effectLst/>
-                <a:latin typeface="Helvetica Neue"/>
-                <a:ea typeface="Helvetica Neue"/>
-                <a:cs typeface="Helvetica Neue"/>
-                <a:sym typeface="Helvetica Neue"/>
-              </a:rPr>
-              <a:t>α7-</a:t>
-            </a:r>
-            <a:r>
-              <a:rPr lang="en-US" sz="2200" b="0" i="0" u="none" strike="noStrike" dirty="0" err="1">
-                <a:effectLst/>
-                <a:latin typeface="Helvetica Neue"/>
-                <a:ea typeface="Helvetica Neue"/>
-                <a:cs typeface="Helvetica Neue"/>
-                <a:sym typeface="Helvetica Neue"/>
-              </a:rPr>
-              <a:t>nAChR</a:t>
-            </a:r>
-            <a:r>
-              <a:rPr lang="en-US" sz="2200" b="0" i="0" u="none" strike="noStrike" dirty="0">
-                <a:effectLst/>
-                <a:latin typeface="Helvetica Neue"/>
-                <a:ea typeface="Helvetica Neue"/>
-                <a:cs typeface="Helvetica Neue"/>
-                <a:sym typeface="Helvetica Neue"/>
-              </a:rPr>
-              <a:t>).</a:t>
-            </a:r>
             <a:endParaRPr lang="en-US" dirty="0"/>
           </a:p>
         </p:txBody>
@@ -3820,7 +3774,7 @@
           </a:ln>
           <a:extLst>
             <a:ext uri="{C572A759-6A51-4108-AA02-DFA0A04FC94B}">
-              <ma14:wrappingTextBoxFlag xmlns:ma14="http://schemas.microsoft.com/office/mac/drawingml/2011/main" xmlns:a14="http://schemas.microsoft.com/office/drawing/2010/main" xmlns:m="http://schemas.openxmlformats.org/officeDocument/2006/math" xmlns="" val="1"/>
+              <ma14:wrappingTextBoxFlag xmlns="" xmlns:m="http://schemas.openxmlformats.org/officeDocument/2006/math" xmlns:a14="http://schemas.microsoft.com/office/drawing/2010/main" xmlns:ma14="http://schemas.microsoft.com/office/mac/drawingml/2011/main" val="1"/>
             </a:ext>
           </a:extLst>
         </p:spPr>
@@ -3859,7 +3813,7 @@
           </a:ln>
           <a:extLst>
             <a:ext uri="{C572A759-6A51-4108-AA02-DFA0A04FC94B}">
-              <ma14:wrappingTextBoxFlag xmlns:ma14="http://schemas.microsoft.com/office/mac/drawingml/2011/main" xmlns:a14="http://schemas.microsoft.com/office/drawing/2010/main" xmlns:m="http://schemas.openxmlformats.org/officeDocument/2006/math" xmlns="" val="1"/>
+              <ma14:wrappingTextBoxFlag xmlns="" xmlns:m="http://schemas.openxmlformats.org/officeDocument/2006/math" xmlns:a14="http://schemas.microsoft.com/office/drawing/2010/main" xmlns:ma14="http://schemas.microsoft.com/office/mac/drawingml/2011/main" val="1"/>
             </a:ext>
           </a:extLst>
         </p:spPr>
@@ -4744,7 +4698,7 @@
           </a:prstGeom>
           <a:extLst>
             <a:ext uri="{C572A759-6A51-4108-AA02-DFA0A04FC94B}">
-              <ma14:wrappingTextBoxFlag xmlns:ma14="http://schemas.microsoft.com/office/mac/drawingml/2011/main" xmlns:a14="http://schemas.microsoft.com/office/drawing/2010/main" xmlns:m="http://schemas.openxmlformats.org/officeDocument/2006/math" xmlns="" val="1"/>
+              <ma14:wrappingTextBoxFlag xmlns="" xmlns:m="http://schemas.openxmlformats.org/officeDocument/2006/math" xmlns:a14="http://schemas.microsoft.com/office/drawing/2010/main" xmlns:ma14="http://schemas.microsoft.com/office/mac/drawingml/2011/main" val="1"/>
             </a:ext>
           </a:extLst>
         </p:spPr>
@@ -6334,8 +6288,8 @@
               <a:defRPr sz="3216"/>
             </a:pPr>
             <a:r>
-              <a:rPr dirty="0"/>
-              <a:t>Volcano plot of differential gene expression. Log 2-fold change is plotted against negative log-scaled significance. Labeled points indicate the top 20 differentially expressed genes.</a:t>
+              <a:rPr lang="en-US" dirty="0"/>
+              <a:t>Analysis demonstrated differential gene expression in poor responders to bevacizumab relative to good-responders along with upregulation of angiogenic genes. </a:t>
             </a:r>
           </a:p>
           <a:p>
@@ -6346,8 +6300,28 @@
               <a:defRPr sz="3216"/>
             </a:pPr>
             <a:r>
-              <a:rPr dirty="0"/>
-              <a:t>Hallmark gene set enrichment analysis of responders to bevacizumab. Normalized enrichment score is plotted against negative log-scaled significance. The KRAS signaling downregulation gene set is labeled.</a:t>
+              <a:rPr lang="en-US" dirty="0"/>
+              <a:t>Within this gene set, multiple genes known to be regulated by the early growth response 1 (EGR1) transcription factor were identified; two were selected for further study based on their role in promoting cancer cell migration and proliferation, RAMP3 (accessory-receptor for adrenomedullin) and CHRNA7 (cholinergic-receptor-nicotinic-</a:t>
+            </a:r>
+            <a:r>
+              <a:rPr lang="el-GR" dirty="0"/>
+              <a:t>α7-</a:t>
+            </a:r>
+            <a:r>
+              <a:rPr lang="en-US" dirty="0"/>
+              <a:t>subunit, or </a:t>
+            </a:r>
+            <a:r>
+              <a:rPr lang="el-GR" dirty="0"/>
+              <a:t>α7-</a:t>
+            </a:r>
+            <a:r>
+              <a:rPr lang="en-US" dirty="0" err="1"/>
+              <a:t>nAChR</a:t>
+            </a:r>
+            <a:r>
+              <a:rPr lang="en-US" dirty="0"/>
+              <a:t>).</a:t>
             </a:r>
           </a:p>
           <a:p>
@@ -6357,10 +6331,7 @@
               </a:spcBef>
               <a:defRPr sz="3216"/>
             </a:pPr>
-            <a:r>
-              <a:rPr dirty="0"/>
-              <a:t>Heatmap of log-scaled raw RNA-expression of differentially expressed genes regulating angiogenesis. Points in orange indicate higher overall expression while points in blue indicate lower overall expression.</a:t>
-            </a:r>
+            <a:endParaRPr dirty="0"/>
           </a:p>
         </p:txBody>
       </p:sp>
@@ -6516,23 +6487,14 @@
                             </p:childTnLst>
                           </p:cTn>
                         </p:par>
-                      </p:childTnLst>
-                    </p:cTn>
-                  </p:par>
-                  <p:par>
-                    <p:cTn id="9" fill="hold">
-                      <p:stCondLst>
-                        <p:cond delay="indefinite"/>
-                      </p:stCondLst>
-                      <p:childTnLst>
                         <p:par>
-                          <p:cTn id="10" fill="hold">
+                          <p:cTn id="9" fill="hold">
                             <p:stCondLst>
                               <p:cond delay="0"/>
                             </p:stCondLst>
                             <p:childTnLst>
                               <p:par>
-                                <p:cTn id="11" presetID="1" presetClass="entr" presetSubtype="0" fill="hold" grpId="1" nodeType="clickEffect">
+                                <p:cTn id="10" presetID="1" presetClass="entr" presetSubtype="0" fill="hold" grpId="1" nodeType="afterEffect">
                                   <p:stCondLst>
                                     <p:cond delay="0"/>
                                   </p:stCondLst>
@@ -6542,7 +6504,7 @@
                                   <p:childTnLst>
                                     <p:set>
                                       <p:cBhvr>
-                                        <p:cTn id="12" fill="hold"/>
+                                        <p:cTn id="11" fill="hold"/>
                                         <p:tgtEl>
                                           <p:spTgt spid="174">
                                             <p:txEl>
@@ -6568,74 +6530,26 @@
                     </p:cTn>
                   </p:par>
                   <p:par>
-                    <p:cTn id="13" fill="hold">
+                    <p:cTn id="12" fill="hold">
                       <p:stCondLst>
                         <p:cond delay="indefinite"/>
                       </p:stCondLst>
                       <p:childTnLst>
                         <p:par>
-                          <p:cTn id="14" fill="hold">
+                          <p:cTn id="13" fill="hold">
                             <p:stCondLst>
                               <p:cond delay="0"/>
                             </p:stCondLst>
                             <p:childTnLst>
                               <p:par>
-                                <p:cTn id="15" presetID="1" presetClass="entr" presetSubtype="0" fill="hold" grpId="1" nodeType="clickEffect">
-                                  <p:stCondLst>
-                                    <p:cond delay="0"/>
-                                  </p:stCondLst>
-                                  <p:iterate>
-                                    <p:tmAbs val="0"/>
-                                  </p:iterate>
-                                  <p:childTnLst>
-                                    <p:set>
-                                      <p:cBhvr>
-                                        <p:cTn id="16" fill="hold"/>
-                                        <p:tgtEl>
-                                          <p:spTgt spid="174">
-                                            <p:txEl>
-                                              <p:pRg st="2" end="2"/>
-                                            </p:txEl>
-                                          </p:spTgt>
-                                        </p:tgtEl>
-                                        <p:attrNameLst>
-                                          <p:attrName>style.visibility</p:attrName>
-                                        </p:attrNameLst>
-                                      </p:cBhvr>
-                                      <p:to>
-                                        <p:strVal val="visible"/>
-                                      </p:to>
-                                    </p:set>
-                                  </p:childTnLst>
-                                </p:cTn>
-                              </p:par>
-                            </p:childTnLst>
-                          </p:cTn>
-                        </p:par>
-                      </p:childTnLst>
-                    </p:cTn>
-                  </p:par>
-                  <p:par>
-                    <p:cTn id="17" fill="hold">
-                      <p:stCondLst>
-                        <p:cond delay="indefinite"/>
-                      </p:stCondLst>
-                      <p:childTnLst>
-                        <p:par>
-                          <p:cTn id="18" fill="hold">
-                            <p:stCondLst>
-                              <p:cond delay="0"/>
-                            </p:stCondLst>
-                            <p:childTnLst>
-                              <p:par>
-                                <p:cTn id="19" presetID="1" presetClass="mediacall" presetSubtype="0" fill="hold" nodeType="clickEffect">
+                                <p:cTn id="14" presetID="1" presetClass="mediacall" presetSubtype="0" fill="hold" nodeType="clickEffect">
                                   <p:stCondLst>
                                     <p:cond delay="0"/>
                                   </p:stCondLst>
                                   <p:childTnLst>
                                     <p:cmd type="call" cmd="playFrom(0.0)">
                                       <p:cBhvr>
-                                        <p:cTn id="20" dur="40832" fill="hold"/>
+                                        <p:cTn id="15" dur="40832" fill="hold"/>
                                         <p:tgtEl>
                                           <p:spTgt spid="2"/>
                                         </p:tgtEl>
@@ -6669,7 +6583,7 @@
             </p:seq>
             <p:audio>
               <p:cMediaNode vol="80000">
-                <p:cTn id="21" fill="hold" display="0">
+                <p:cTn id="16" fill="hold" display="0">
                   <p:stCondLst>
                     <p:cond delay="indefinite"/>
                   </p:stCondLst>
@@ -7168,7 +7082,9 @@
           </a:prstGeom>
         </p:spPr>
         <p:txBody>
-          <a:bodyPr/>
+          <a:bodyPr>
+            <a:normAutofit lnSpcReduction="10000"/>
+          </a:bodyPr>
           <a:lstStyle/>
           <a:p>
             <a:pPr marL="553212" indent="-553212" defTabSz="2414016">
@@ -7178,8 +7094,23 @@
               <a:defRPr sz="4752"/>
             </a:pPr>
             <a:r>
-              <a:t>Response to bevacizumab does delineate a distinct molecular phenotype of GBM tumors. </a:t>
+              <a:rPr dirty="0"/>
+              <a:t>Response to bevacizumab does delineate a distinct molecular phenotype of GBM tumors.</a:t>
             </a:r>
+            <a:endParaRPr lang="en-US" dirty="0"/>
+          </a:p>
+          <a:p>
+            <a:pPr marL="1112012" lvl="1" indent="-553212" defTabSz="2414016">
+              <a:spcBef>
+                <a:spcPts val="2300"/>
+              </a:spcBef>
+              <a:defRPr sz="4752"/>
+            </a:pPr>
+            <a:r>
+              <a:rPr lang="en-US" dirty="0"/>
+              <a:t>EGR1 and its targets may be predictors of poor response to bevacizumab. </a:t>
+            </a:r>
+            <a:endParaRPr dirty="0"/>
           </a:p>
           <a:p>
             <a:pPr marL="553212" indent="-553212" defTabSz="2414016">
@@ -7189,6 +7120,7 @@
               <a:defRPr sz="4752"/>
             </a:pPr>
             <a:r>
+              <a:rPr dirty="0"/>
               <a:t>Poor responders to bevacizumab have significant upregulation of angiogenic genes. </a:t>
             </a:r>
           </a:p>
@@ -7200,15 +7132,14 @@
               <a:defRPr sz="4752"/>
             </a:pPr>
             <a:r>
-              <a:t>Several upregulated angiogenic genes shared Early Growth Response 1 (</a:t>
+              <a:rPr dirty="0"/>
+              <a:t>Several upregulated angiogenic genes </a:t>
             </a:r>
             <a:r>
-              <a:rPr i="1"/>
-              <a:t>EGR1</a:t>
+              <a:rPr lang="en-US" dirty="0"/>
+              <a:t>are regulated by EGR1. </a:t>
             </a:r>
-            <a:r>
-              <a:t>) as a transcription factor.</a:t>
-            </a:r>
+            <a:endParaRPr dirty="0"/>
           </a:p>
           <a:p>
             <a:pPr marL="1106424" lvl="1" indent="-553212" defTabSz="2414016">
@@ -7218,10 +7149,11 @@
               <a:defRPr sz="4752" i="1"/>
             </a:pPr>
             <a:r>
+              <a:rPr dirty="0"/>
               <a:t>EGR1 </a:t>
             </a:r>
             <a:r>
-              <a:rPr i="0"/>
+              <a:rPr i="0" dirty="0"/>
               <a:t>was upregulated in poor responders to anti-VEGF therapy.</a:t>
             </a:r>
           </a:p>
@@ -7233,20 +7165,23 @@
               <a:defRPr sz="4752"/>
             </a:pPr>
             <a:r>
+              <a:rPr dirty="0"/>
               <a:t>Altered expression of </a:t>
             </a:r>
             <a:r>
-              <a:rPr i="1"/>
+              <a:rPr i="1" dirty="0"/>
               <a:t>CHRNA7 </a:t>
             </a:r>
             <a:r>
+              <a:rPr dirty="0"/>
               <a:t>and/or its transcription factor </a:t>
             </a:r>
             <a:r>
-              <a:rPr i="1"/>
+              <a:rPr i="1" dirty="0"/>
               <a:t>EGR1</a:t>
             </a:r>
             <a:r>
+              <a:rPr dirty="0"/>
               <a:t> confers poor prognosis in GBM patients.</a:t>
             </a:r>
           </a:p>
@@ -7377,23 +7312,14 @@
                             </p:childTnLst>
                           </p:cTn>
                         </p:par>
-                      </p:childTnLst>
-                    </p:cTn>
-                  </p:par>
-                  <p:par>
-                    <p:cTn id="9" fill="hold">
-                      <p:stCondLst>
-                        <p:cond delay="indefinite"/>
-                      </p:stCondLst>
-                      <p:childTnLst>
                         <p:par>
-                          <p:cTn id="10" fill="hold">
+                          <p:cTn id="9" fill="hold">
                             <p:stCondLst>
                               <p:cond delay="0"/>
                             </p:stCondLst>
                             <p:childTnLst>
                               <p:par>
-                                <p:cTn id="11" presetID="1" presetClass="entr" presetSubtype="0" fill="hold" grpId="1" nodeType="clickEffect">
+                                <p:cTn id="10" presetID="1" presetClass="entr" presetSubtype="0" fill="hold" grpId="1" nodeType="afterEffect">
                                   <p:stCondLst>
                                     <p:cond delay="0"/>
                                   </p:stCondLst>
@@ -7403,7 +7329,7 @@
                                   <p:childTnLst>
                                     <p:set>
                                       <p:cBhvr>
-                                        <p:cTn id="12" fill="hold"/>
+                                        <p:cTn id="11" fill="hold"/>
                                         <p:tgtEl>
                                           <p:spTgt spid="183">
                                             <p:txEl>
@@ -7425,23 +7351,14 @@
                             </p:childTnLst>
                           </p:cTn>
                         </p:par>
-                      </p:childTnLst>
-                    </p:cTn>
-                  </p:par>
-                  <p:par>
-                    <p:cTn id="13" fill="hold">
-                      <p:stCondLst>
-                        <p:cond delay="indefinite"/>
-                      </p:stCondLst>
-                      <p:childTnLst>
                         <p:par>
-                          <p:cTn id="14" fill="hold">
+                          <p:cTn id="12" fill="hold">
                             <p:stCondLst>
                               <p:cond delay="0"/>
                             </p:stCondLst>
                             <p:childTnLst>
                               <p:par>
-                                <p:cTn id="15" presetID="1" presetClass="entr" presetSubtype="0" fill="hold" grpId="1" nodeType="clickEffect">
+                                <p:cTn id="13" presetID="1" presetClass="entr" presetSubtype="0" fill="hold" grpId="1" nodeType="afterEffect">
                                   <p:stCondLst>
                                     <p:cond delay="0"/>
                                   </p:stCondLst>
@@ -7451,7 +7368,7 @@
                                   <p:childTnLst>
                                     <p:set>
                                       <p:cBhvr>
-                                        <p:cTn id="16" fill="hold"/>
+                                        <p:cTn id="14" fill="hold"/>
                                         <p:tgtEl>
                                           <p:spTgt spid="183">
                                             <p:txEl>
@@ -7477,19 +7394,19 @@
                     </p:cTn>
                   </p:par>
                   <p:par>
-                    <p:cTn id="17" fill="hold">
+                    <p:cTn id="15" fill="hold">
                       <p:stCondLst>
                         <p:cond delay="indefinite"/>
                       </p:stCondLst>
                       <p:childTnLst>
                         <p:par>
-                          <p:cTn id="18" fill="hold">
+                          <p:cTn id="16" fill="hold">
                             <p:stCondLst>
                               <p:cond delay="0"/>
                             </p:stCondLst>
                             <p:childTnLst>
                               <p:par>
-                                <p:cTn id="19" presetID="1" presetClass="entr" presetSubtype="0" fill="hold" grpId="1" nodeType="clickEffect">
+                                <p:cTn id="17" presetID="1" presetClass="entr" presetSubtype="0" fill="hold" grpId="1" nodeType="clickEffect">
                                   <p:stCondLst>
                                     <p:cond delay="0"/>
                                   </p:stCondLst>
@@ -7499,7 +7416,7 @@
                                   <p:childTnLst>
                                     <p:set>
                                       <p:cBhvr>
-                                        <p:cTn id="20" fill="hold"/>
+                                        <p:cTn id="18" fill="hold"/>
                                         <p:tgtEl>
                                           <p:spTgt spid="183">
                                             <p:txEl>
@@ -7525,19 +7442,19 @@
                     </p:cTn>
                   </p:par>
                   <p:par>
-                    <p:cTn id="21" fill="hold">
+                    <p:cTn id="19" fill="hold">
                       <p:stCondLst>
                         <p:cond delay="indefinite"/>
                       </p:stCondLst>
                       <p:childTnLst>
                         <p:par>
-                          <p:cTn id="22" fill="hold">
+                          <p:cTn id="20" fill="hold">
                             <p:stCondLst>
                               <p:cond delay="0"/>
                             </p:stCondLst>
                             <p:childTnLst>
                               <p:par>
-                                <p:cTn id="23" presetID="1" presetClass="entr" presetSubtype="0" fill="hold" grpId="1" nodeType="clickEffect">
+                                <p:cTn id="21" presetID="1" presetClass="entr" presetSubtype="0" fill="hold" grpId="1" nodeType="clickEffect">
                                   <p:stCondLst>
                                     <p:cond delay="0"/>
                                   </p:stCondLst>
@@ -7547,7 +7464,7 @@
                                   <p:childTnLst>
                                     <p:set>
                                       <p:cBhvr>
-                                        <p:cTn id="24" fill="hold"/>
+                                        <p:cTn id="22" fill="hold"/>
                                         <p:tgtEl>
                                           <p:spTgt spid="183">
                                             <p:txEl>
@@ -7573,26 +7490,74 @@
                     </p:cTn>
                   </p:par>
                   <p:par>
-                    <p:cTn id="25" fill="hold">
+                    <p:cTn id="23" fill="hold">
                       <p:stCondLst>
                         <p:cond delay="indefinite"/>
                       </p:stCondLst>
                       <p:childTnLst>
                         <p:par>
-                          <p:cTn id="26" fill="hold">
+                          <p:cTn id="24" fill="hold">
                             <p:stCondLst>
                               <p:cond delay="0"/>
                             </p:stCondLst>
                             <p:childTnLst>
                               <p:par>
-                                <p:cTn id="27" presetID="1" presetClass="mediacall" presetSubtype="0" fill="hold" nodeType="clickEffect">
+                                <p:cTn id="25" presetID="1" presetClass="entr" presetSubtype="0" fill="hold" grpId="1" nodeType="clickEffect">
+                                  <p:stCondLst>
+                                    <p:cond delay="0"/>
+                                  </p:stCondLst>
+                                  <p:iterate>
+                                    <p:tmAbs val="0"/>
+                                  </p:iterate>
+                                  <p:childTnLst>
+                                    <p:set>
+                                      <p:cBhvr>
+                                        <p:cTn id="26" fill="hold"/>
+                                        <p:tgtEl>
+                                          <p:spTgt spid="183">
+                                            <p:txEl>
+                                              <p:pRg st="5" end="5"/>
+                                            </p:txEl>
+                                          </p:spTgt>
+                                        </p:tgtEl>
+                                        <p:attrNameLst>
+                                          <p:attrName>style.visibility</p:attrName>
+                                        </p:attrNameLst>
+                                      </p:cBhvr>
+                                      <p:to>
+                                        <p:strVal val="visible"/>
+                                      </p:to>
+                                    </p:set>
+                                  </p:childTnLst>
+                                </p:cTn>
+                              </p:par>
+                            </p:childTnLst>
+                          </p:cTn>
+                        </p:par>
+                      </p:childTnLst>
+                    </p:cTn>
+                  </p:par>
+                  <p:par>
+                    <p:cTn id="27" fill="hold">
+                      <p:stCondLst>
+                        <p:cond delay="indefinite"/>
+                      </p:stCondLst>
+                      <p:childTnLst>
+                        <p:par>
+                          <p:cTn id="28" fill="hold">
+                            <p:stCondLst>
+                              <p:cond delay="0"/>
+                            </p:stCondLst>
+                            <p:childTnLst>
+                              <p:par>
+                                <p:cTn id="29" presetID="1" presetClass="mediacall" presetSubtype="0" fill="hold" nodeType="clickEffect">
                                   <p:stCondLst>
                                     <p:cond delay="0"/>
                                   </p:stCondLst>
                                   <p:childTnLst>
                                     <p:cmd type="call" cmd="playFrom(0.0)">
                                       <p:cBhvr>
-                                        <p:cTn id="28" dur="34112" fill="hold"/>
+                                        <p:cTn id="30" dur="34112" fill="hold"/>
                                         <p:tgtEl>
                                           <p:spTgt spid="2"/>
                                         </p:tgtEl>
@@ -7626,7 +7591,7 @@
             </p:seq>
             <p:audio>
               <p:cMediaNode vol="80000">
-                <p:cTn id="29" fill="hold" display="0">
+                <p:cTn id="31" fill="hold" display="0">
                   <p:stCondLst>
                     <p:cond delay="indefinite"/>
                   </p:stCondLst>
